--- a/Seismic Drones/CASE-2016/pictures/round_platform_compare.pptx
+++ b/Seismic Drones/CASE-2016/pictures/round_platform_compare.pptx
@@ -243,7 +243,7 @@
           <a:p>
             <a:fld id="{00A819AE-62D5-48C7-ABBA-9B42368FB34D}" type="datetimeFigureOut">
               <a:rPr lang="en-US" smtClean="0"/>
-              <a:t>3/5/2016</a:t>
+              <a:t>3/15/2016</a:t>
             </a:fld>
             <a:endParaRPr lang="en-US"/>
           </a:p>
@@ -413,7 +413,7 @@
           <a:p>
             <a:fld id="{00A819AE-62D5-48C7-ABBA-9B42368FB34D}" type="datetimeFigureOut">
               <a:rPr lang="en-US" smtClean="0"/>
-              <a:t>3/5/2016</a:t>
+              <a:t>3/15/2016</a:t>
             </a:fld>
             <a:endParaRPr lang="en-US"/>
           </a:p>
@@ -593,7 +593,7 @@
           <a:p>
             <a:fld id="{00A819AE-62D5-48C7-ABBA-9B42368FB34D}" type="datetimeFigureOut">
               <a:rPr lang="en-US" smtClean="0"/>
-              <a:t>3/5/2016</a:t>
+              <a:t>3/15/2016</a:t>
             </a:fld>
             <a:endParaRPr lang="en-US"/>
           </a:p>
@@ -763,7 +763,7 @@
           <a:p>
             <a:fld id="{00A819AE-62D5-48C7-ABBA-9B42368FB34D}" type="datetimeFigureOut">
               <a:rPr lang="en-US" smtClean="0"/>
-              <a:t>3/5/2016</a:t>
+              <a:t>3/15/2016</a:t>
             </a:fld>
             <a:endParaRPr lang="en-US"/>
           </a:p>
@@ -1007,7 +1007,7 @@
           <a:p>
             <a:fld id="{00A819AE-62D5-48C7-ABBA-9B42368FB34D}" type="datetimeFigureOut">
               <a:rPr lang="en-US" smtClean="0"/>
-              <a:t>3/5/2016</a:t>
+              <a:t>3/15/2016</a:t>
             </a:fld>
             <a:endParaRPr lang="en-US"/>
           </a:p>
@@ -1239,7 +1239,7 @@
           <a:p>
             <a:fld id="{00A819AE-62D5-48C7-ABBA-9B42368FB34D}" type="datetimeFigureOut">
               <a:rPr lang="en-US" smtClean="0"/>
-              <a:t>3/5/2016</a:t>
+              <a:t>3/15/2016</a:t>
             </a:fld>
             <a:endParaRPr lang="en-US"/>
           </a:p>
@@ -1606,7 +1606,7 @@
           <a:p>
             <a:fld id="{00A819AE-62D5-48C7-ABBA-9B42368FB34D}" type="datetimeFigureOut">
               <a:rPr lang="en-US" smtClean="0"/>
-              <a:t>3/5/2016</a:t>
+              <a:t>3/15/2016</a:t>
             </a:fld>
             <a:endParaRPr lang="en-US"/>
           </a:p>
@@ -1724,7 +1724,7 @@
           <a:p>
             <a:fld id="{00A819AE-62D5-48C7-ABBA-9B42368FB34D}" type="datetimeFigureOut">
               <a:rPr lang="en-US" smtClean="0"/>
-              <a:t>3/5/2016</a:t>
+              <a:t>3/15/2016</a:t>
             </a:fld>
             <a:endParaRPr lang="en-US"/>
           </a:p>
@@ -1819,7 +1819,7 @@
           <a:p>
             <a:fld id="{00A819AE-62D5-48C7-ABBA-9B42368FB34D}" type="datetimeFigureOut">
               <a:rPr lang="en-US" smtClean="0"/>
-              <a:t>3/5/2016</a:t>
+              <a:t>3/15/2016</a:t>
             </a:fld>
             <a:endParaRPr lang="en-US"/>
           </a:p>
@@ -2096,7 +2096,7 @@
           <a:p>
             <a:fld id="{00A819AE-62D5-48C7-ABBA-9B42368FB34D}" type="datetimeFigureOut">
               <a:rPr lang="en-US" smtClean="0"/>
-              <a:t>3/5/2016</a:t>
+              <a:t>3/15/2016</a:t>
             </a:fld>
             <a:endParaRPr lang="en-US"/>
           </a:p>
@@ -2353,7 +2353,7 @@
           <a:p>
             <a:fld id="{00A819AE-62D5-48C7-ABBA-9B42368FB34D}" type="datetimeFigureOut">
               <a:rPr lang="en-US" smtClean="0"/>
-              <a:t>3/5/2016</a:t>
+              <a:t>3/15/2016</a:t>
             </a:fld>
             <a:endParaRPr lang="en-US"/>
           </a:p>
@@ -2566,7 +2566,7 @@
           <a:p>
             <a:fld id="{00A819AE-62D5-48C7-ABBA-9B42368FB34D}" type="datetimeFigureOut">
               <a:rPr lang="en-US" smtClean="0"/>
-              <a:t>3/5/2016</a:t>
+              <a:t>3/15/2016</a:t>
             </a:fld>
             <a:endParaRPr lang="en-US"/>
           </a:p>
@@ -3002,14 +3002,14 @@
       </p:pic>
       <p:sp>
         <p:nvSpPr>
-          <p:cNvPr id="3" name="TextBox 2"/>
+          <p:cNvPr id="4" name="TextBox 3"/>
           <p:cNvSpPr txBox="1"/>
           <p:nvPr/>
         </p:nvSpPr>
         <p:spPr>
           <a:xfrm>
-            <a:off x="412376" y="224110"/>
-            <a:ext cx="502024" cy="523220"/>
+            <a:off x="421340" y="334990"/>
+            <a:ext cx="600635" cy="707886"/>
           </a:xfrm>
           <a:prstGeom prst="rect">
             <a:avLst/>
@@ -3023,7 +3023,7 @@
           <a:lstStyle/>
           <a:p>
             <a:r>
-              <a:rPr lang="en-US" sz="2800" dirty="0">
+              <a:rPr lang="en-US" sz="4000" dirty="0">
                 <a:solidFill>
                   <a:schemeClr val="bg1"/>
                 </a:solidFill>
@@ -3031,14 +3031,14 @@
               <a:t>a</a:t>
             </a:r>
             <a:r>
-              <a:rPr lang="en-US" sz="2800" dirty="0" smtClean="0">
+              <a:rPr lang="en-US" sz="4000" dirty="0" smtClean="0">
                 <a:solidFill>
                   <a:schemeClr val="bg1"/>
                 </a:solidFill>
               </a:rPr>
               <a:t>.</a:t>
             </a:r>
-            <a:endParaRPr lang="en-US" sz="2800" dirty="0">
+            <a:endParaRPr lang="en-US" sz="4000" dirty="0">
               <a:solidFill>
                 <a:schemeClr val="bg1"/>
               </a:solidFill>

--- a/Seismic Drones/CASE-2016/pictures/round_platform_compare.pptx
+++ b/Seismic Drones/CASE-2016/pictures/round_platform_compare.pptx
@@ -243,7 +243,7 @@
           <a:p>
             <a:fld id="{00A819AE-62D5-48C7-ABBA-9B42368FB34D}" type="datetimeFigureOut">
               <a:rPr lang="en-US" smtClean="0"/>
-              <a:t>3/15/2016</a:t>
+              <a:t>3/21/2016</a:t>
             </a:fld>
             <a:endParaRPr lang="en-US"/>
           </a:p>
@@ -413,7 +413,7 @@
           <a:p>
             <a:fld id="{00A819AE-62D5-48C7-ABBA-9B42368FB34D}" type="datetimeFigureOut">
               <a:rPr lang="en-US" smtClean="0"/>
-              <a:t>3/15/2016</a:t>
+              <a:t>3/21/2016</a:t>
             </a:fld>
             <a:endParaRPr lang="en-US"/>
           </a:p>
@@ -593,7 +593,7 @@
           <a:p>
             <a:fld id="{00A819AE-62D5-48C7-ABBA-9B42368FB34D}" type="datetimeFigureOut">
               <a:rPr lang="en-US" smtClean="0"/>
-              <a:t>3/15/2016</a:t>
+              <a:t>3/21/2016</a:t>
             </a:fld>
             <a:endParaRPr lang="en-US"/>
           </a:p>
@@ -763,7 +763,7 @@
           <a:p>
             <a:fld id="{00A819AE-62D5-48C7-ABBA-9B42368FB34D}" type="datetimeFigureOut">
               <a:rPr lang="en-US" smtClean="0"/>
-              <a:t>3/15/2016</a:t>
+              <a:t>3/21/2016</a:t>
             </a:fld>
             <a:endParaRPr lang="en-US"/>
           </a:p>
@@ -1007,7 +1007,7 @@
           <a:p>
             <a:fld id="{00A819AE-62D5-48C7-ABBA-9B42368FB34D}" type="datetimeFigureOut">
               <a:rPr lang="en-US" smtClean="0"/>
-              <a:t>3/15/2016</a:t>
+              <a:t>3/21/2016</a:t>
             </a:fld>
             <a:endParaRPr lang="en-US"/>
           </a:p>
@@ -1239,7 +1239,7 @@
           <a:p>
             <a:fld id="{00A819AE-62D5-48C7-ABBA-9B42368FB34D}" type="datetimeFigureOut">
               <a:rPr lang="en-US" smtClean="0"/>
-              <a:t>3/15/2016</a:t>
+              <a:t>3/21/2016</a:t>
             </a:fld>
             <a:endParaRPr lang="en-US"/>
           </a:p>
@@ -1606,7 +1606,7 @@
           <a:p>
             <a:fld id="{00A819AE-62D5-48C7-ABBA-9B42368FB34D}" type="datetimeFigureOut">
               <a:rPr lang="en-US" smtClean="0"/>
-              <a:t>3/15/2016</a:t>
+              <a:t>3/21/2016</a:t>
             </a:fld>
             <a:endParaRPr lang="en-US"/>
           </a:p>
@@ -1724,7 +1724,7 @@
           <a:p>
             <a:fld id="{00A819AE-62D5-48C7-ABBA-9B42368FB34D}" type="datetimeFigureOut">
               <a:rPr lang="en-US" smtClean="0"/>
-              <a:t>3/15/2016</a:t>
+              <a:t>3/21/2016</a:t>
             </a:fld>
             <a:endParaRPr lang="en-US"/>
           </a:p>
@@ -1819,7 +1819,7 @@
           <a:p>
             <a:fld id="{00A819AE-62D5-48C7-ABBA-9B42368FB34D}" type="datetimeFigureOut">
               <a:rPr lang="en-US" smtClean="0"/>
-              <a:t>3/15/2016</a:t>
+              <a:t>3/21/2016</a:t>
             </a:fld>
             <a:endParaRPr lang="en-US"/>
           </a:p>
@@ -2096,7 +2096,7 @@
           <a:p>
             <a:fld id="{00A819AE-62D5-48C7-ABBA-9B42368FB34D}" type="datetimeFigureOut">
               <a:rPr lang="en-US" smtClean="0"/>
-              <a:t>3/15/2016</a:t>
+              <a:t>3/21/2016</a:t>
             </a:fld>
             <a:endParaRPr lang="en-US"/>
           </a:p>
@@ -2353,7 +2353,7 @@
           <a:p>
             <a:fld id="{00A819AE-62D5-48C7-ABBA-9B42368FB34D}" type="datetimeFigureOut">
               <a:rPr lang="en-US" smtClean="0"/>
-              <a:t>3/15/2016</a:t>
+              <a:t>3/21/2016</a:t>
             </a:fld>
             <a:endParaRPr lang="en-US"/>
           </a:p>
@@ -2566,7 +2566,7 @@
           <a:p>
             <a:fld id="{00A819AE-62D5-48C7-ABBA-9B42368FB34D}" type="datetimeFigureOut">
               <a:rPr lang="en-US" smtClean="0"/>
-              <a:t>3/15/2016</a:t>
+              <a:t>3/21/2016</a:t>
             </a:fld>
             <a:endParaRPr lang="en-US"/>
           </a:p>
@@ -3000,52 +3000,112 @@
           </a:prstGeom>
         </p:spPr>
       </p:pic>
-      <p:sp>
-        <p:nvSpPr>
-          <p:cNvPr id="4" name="TextBox 3"/>
-          <p:cNvSpPr txBox="1"/>
+      <p:grpSp>
+        <p:nvGrpSpPr>
+          <p:cNvPr id="3" name="Group 2"/>
+          <p:cNvGrpSpPr/>
           <p:nvPr/>
-        </p:nvSpPr>
-        <p:spPr>
+        </p:nvGrpSpPr>
+        <p:grpSpPr>
           <a:xfrm>
-            <a:off x="421340" y="334990"/>
-            <a:ext cx="600635" cy="707886"/>
+            <a:off x="403417" y="334990"/>
+            <a:ext cx="797859" cy="830997"/>
+            <a:chOff x="-770964" y="334990"/>
+            <a:chExt cx="797859" cy="830997"/>
           </a:xfrm>
-          <a:prstGeom prst="rect">
-            <a:avLst/>
-          </a:prstGeom>
-          <a:noFill/>
-        </p:spPr>
-        <p:txBody>
-          <a:bodyPr wrap="square" rtlCol="0">
-            <a:spAutoFit/>
-          </a:bodyPr>
-          <a:lstStyle/>
-          <a:p>
-            <a:r>
-              <a:rPr lang="en-US" sz="4000" dirty="0">
+        </p:grpSpPr>
+        <p:sp>
+          <p:nvSpPr>
+            <p:cNvPr id="2" name="Rectangle 1"/>
+            <p:cNvSpPr/>
+            <p:nvPr/>
+          </p:nvSpPr>
+          <p:spPr>
+            <a:xfrm>
+              <a:off x="-770964" y="334990"/>
+              <a:ext cx="609600" cy="707886"/>
+            </a:xfrm>
+            <a:prstGeom prst="rect">
+              <a:avLst/>
+            </a:prstGeom>
+            <a:solidFill>
+              <a:schemeClr val="accent1">
+                <a:alpha val="60000"/>
+              </a:schemeClr>
+            </a:solidFill>
+          </p:spPr>
+          <p:style>
+            <a:lnRef idx="2">
+              <a:schemeClr val="accent1">
+                <a:shade val="50000"/>
+              </a:schemeClr>
+            </a:lnRef>
+            <a:fillRef idx="1">
+              <a:schemeClr val="accent1"/>
+            </a:fillRef>
+            <a:effectRef idx="0">
+              <a:schemeClr val="accent1"/>
+            </a:effectRef>
+            <a:fontRef idx="minor">
+              <a:schemeClr val="lt1"/>
+            </a:fontRef>
+          </p:style>
+          <p:txBody>
+            <a:bodyPr rtlCol="0" anchor="ctr"/>
+            <a:lstStyle/>
+            <a:p>
+              <a:pPr algn="ctr"/>
+              <a:endParaRPr lang="en-US"/>
+            </a:p>
+          </p:txBody>
+        </p:sp>
+        <p:sp>
+          <p:nvSpPr>
+            <p:cNvPr id="4" name="TextBox 3"/>
+            <p:cNvSpPr txBox="1"/>
+            <p:nvPr/>
+          </p:nvSpPr>
+          <p:spPr>
+            <a:xfrm>
+              <a:off x="-761999" y="334990"/>
+              <a:ext cx="788894" cy="830997"/>
+            </a:xfrm>
+            <a:prstGeom prst="rect">
+              <a:avLst/>
+            </a:prstGeom>
+            <a:noFill/>
+          </p:spPr>
+          <p:txBody>
+            <a:bodyPr wrap="square" rtlCol="0">
+              <a:spAutoFit/>
+            </a:bodyPr>
+            <a:lstStyle/>
+            <a:p>
+              <a:r>
+                <a:rPr lang="en-US" sz="4800" dirty="0">
+                  <a:solidFill>
+                    <a:schemeClr val="bg1"/>
+                  </a:solidFill>
+                </a:rPr>
+                <a:t>a</a:t>
+              </a:r>
+              <a:r>
+                <a:rPr lang="en-US" sz="4800" dirty="0" smtClean="0">
+                  <a:solidFill>
+                    <a:schemeClr val="bg1"/>
+                  </a:solidFill>
+                </a:rPr>
+                <a:t>.</a:t>
+              </a:r>
+              <a:endParaRPr lang="en-US" sz="4800" dirty="0">
                 <a:solidFill>
                   <a:schemeClr val="bg1"/>
                 </a:solidFill>
-              </a:rPr>
-              <a:t>a</a:t>
-            </a:r>
-            <a:r>
-              <a:rPr lang="en-US" sz="4000" dirty="0" smtClean="0">
-                <a:solidFill>
-                  <a:schemeClr val="bg1"/>
-                </a:solidFill>
-              </a:rPr>
-              <a:t>.</a:t>
-            </a:r>
-            <a:endParaRPr lang="en-US" sz="4000" dirty="0">
-              <a:solidFill>
-                <a:schemeClr val="bg1"/>
-              </a:solidFill>
-            </a:endParaRPr>
-          </a:p>
-        </p:txBody>
-      </p:sp>
+              </a:endParaRPr>
+            </a:p>
+          </p:txBody>
+        </p:sp>
+      </p:grpSp>
     </p:spTree>
     <p:extLst>
       <p:ext uri="{BB962C8B-B14F-4D97-AF65-F5344CB8AC3E}">
